--- a/tests/I04 Measurement and Control/I04V01.pptx
+++ b/tests/I04 Measurement and Control/I04V01.pptx
@@ -104,7 +104,16 @@
       </a:defRPr>
     </a:lvl9pPr>
   </p:defaultTextStyle>
+  <p:extLst>
+    <p:ext uri="{EFAFB233-063F-42B5-8137-9DF3F51BA10A}">
+      <p15:sldGuideLst xmlns:p15="http://schemas.microsoft.com/office/powerpoint/2012/main"/>
+    </p:ext>
+  </p:extLst>
 </p:presentation>
+</file>
+
+<file path=ppt/revisionInfo.xml><?xml version="1.0" encoding="utf-8"?>
+<p1510:revInfo xmlns:a="http://schemas.openxmlformats.org/drawingml/2006/main" xmlns:r="http://schemas.openxmlformats.org/officeDocument/2006/relationships" xmlns:p1510="http://schemas.microsoft.com/office/powerpoint/2015/10/main"/>
 </file>
 
 <file path=ppt/slideLayouts/slideLayout1.xml><?xml version="1.0" encoding="utf-8"?>
@@ -238,7 +247,7 @@
           <a:p>
             <a:fld id="{2CD6291C-A99E-4E5F-B348-156D22C8F41F}" type="datetimeFigureOut">
               <a:rPr lang="en-GB" smtClean="0"/>
-              <a:t>14/03/2017</a:t>
+              <a:t>07/09/2017</a:t>
             </a:fld>
             <a:endParaRPr lang="en-GB"/>
           </a:p>
@@ -408,7 +417,7 @@
           <a:p>
             <a:fld id="{2CD6291C-A99E-4E5F-B348-156D22C8F41F}" type="datetimeFigureOut">
               <a:rPr lang="en-GB" smtClean="0"/>
-              <a:t>14/03/2017</a:t>
+              <a:t>07/09/2017</a:t>
             </a:fld>
             <a:endParaRPr lang="en-GB"/>
           </a:p>
@@ -588,7 +597,7 @@
           <a:p>
             <a:fld id="{2CD6291C-A99E-4E5F-B348-156D22C8F41F}" type="datetimeFigureOut">
               <a:rPr lang="en-GB" smtClean="0"/>
-              <a:t>14/03/2017</a:t>
+              <a:t>07/09/2017</a:t>
             </a:fld>
             <a:endParaRPr lang="en-GB"/>
           </a:p>
@@ -758,7 +767,7 @@
           <a:p>
             <a:fld id="{2CD6291C-A99E-4E5F-B348-156D22C8F41F}" type="datetimeFigureOut">
               <a:rPr lang="en-GB" smtClean="0"/>
-              <a:t>14/03/2017</a:t>
+              <a:t>07/09/2017</a:t>
             </a:fld>
             <a:endParaRPr lang="en-GB"/>
           </a:p>
@@ -1004,7 +1013,7 @@
           <a:p>
             <a:fld id="{2CD6291C-A99E-4E5F-B348-156D22C8F41F}" type="datetimeFigureOut">
               <a:rPr lang="en-GB" smtClean="0"/>
-              <a:t>14/03/2017</a:t>
+              <a:t>07/09/2017</a:t>
             </a:fld>
             <a:endParaRPr lang="en-GB"/>
           </a:p>
@@ -1236,7 +1245,7 @@
           <a:p>
             <a:fld id="{2CD6291C-A99E-4E5F-B348-156D22C8F41F}" type="datetimeFigureOut">
               <a:rPr lang="en-GB" smtClean="0"/>
-              <a:t>14/03/2017</a:t>
+              <a:t>07/09/2017</a:t>
             </a:fld>
             <a:endParaRPr lang="en-GB"/>
           </a:p>
@@ -1603,7 +1612,7 @@
           <a:p>
             <a:fld id="{2CD6291C-A99E-4E5F-B348-156D22C8F41F}" type="datetimeFigureOut">
               <a:rPr lang="en-GB" smtClean="0"/>
-              <a:t>14/03/2017</a:t>
+              <a:t>07/09/2017</a:t>
             </a:fld>
             <a:endParaRPr lang="en-GB"/>
           </a:p>
@@ -1721,7 +1730,7 @@
           <a:p>
             <a:fld id="{2CD6291C-A99E-4E5F-B348-156D22C8F41F}" type="datetimeFigureOut">
               <a:rPr lang="en-GB" smtClean="0"/>
-              <a:t>14/03/2017</a:t>
+              <a:t>07/09/2017</a:t>
             </a:fld>
             <a:endParaRPr lang="en-GB"/>
           </a:p>
@@ -1816,7 +1825,7 @@
           <a:p>
             <a:fld id="{2CD6291C-A99E-4E5F-B348-156D22C8F41F}" type="datetimeFigureOut">
               <a:rPr lang="en-GB" smtClean="0"/>
-              <a:t>14/03/2017</a:t>
+              <a:t>07/09/2017</a:t>
             </a:fld>
             <a:endParaRPr lang="en-GB"/>
           </a:p>
@@ -2093,7 +2102,7 @@
           <a:p>
             <a:fld id="{2CD6291C-A99E-4E5F-B348-156D22C8F41F}" type="datetimeFigureOut">
               <a:rPr lang="en-GB" smtClean="0"/>
-              <a:t>14/03/2017</a:t>
+              <a:t>07/09/2017</a:t>
             </a:fld>
             <a:endParaRPr lang="en-GB"/>
           </a:p>
@@ -2346,7 +2355,7 @@
           <a:p>
             <a:fld id="{2CD6291C-A99E-4E5F-B348-156D22C8F41F}" type="datetimeFigureOut">
               <a:rPr lang="en-GB" smtClean="0"/>
-              <a:t>14/03/2017</a:t>
+              <a:t>07/09/2017</a:t>
             </a:fld>
             <a:endParaRPr lang="en-GB"/>
           </a:p>
@@ -2559,7 +2568,7 @@
           <a:p>
             <a:fld id="{2CD6291C-A99E-4E5F-B348-156D22C8F41F}" type="datetimeFigureOut">
               <a:rPr lang="en-GB" smtClean="0"/>
-              <a:t>14/03/2017</a:t>
+              <a:t>07/09/2017</a:t>
             </a:fld>
             <a:endParaRPr lang="en-GB"/>
           </a:p>
@@ -2966,7 +2975,13 @@
       </p:grpSpPr>
       <p:pic>
         <p:nvPicPr>
-          <p:cNvPr id="4" name="Picture 3"/>
+          <p:cNvPr id="2" name="Picture 1">
+            <a:extLst>
+              <a:ext uri="{FF2B5EF4-FFF2-40B4-BE49-F238E27FC236}">
+                <a16:creationId xmlns:a16="http://schemas.microsoft.com/office/drawing/2014/main" id="{70380E50-5AEC-4D80-8B42-CBB514C4F413}"/>
+              </a:ext>
+            </a:extLst>
+          </p:cNvPr>
           <p:cNvPicPr>
             <a:picLocks noChangeAspect="1"/>
           </p:cNvPicPr>
@@ -2980,8 +2995,8 @@
         </p:blipFill>
         <p:spPr>
           <a:xfrm>
-            <a:off x="3129333" y="1862333"/>
-            <a:ext cx="5933333" cy="3133333"/>
+            <a:off x="2876550" y="1095375"/>
+            <a:ext cx="6438900" cy="4667250"/>
           </a:xfrm>
           <a:prstGeom prst="rect">
             <a:avLst/>
